--- a/UINavigationController/UINAVIGATIONCONTROLLER.pptx
+++ b/UINavigationController/UINAVIGATIONCONTROLLER.pptx
@@ -7663,85 +7663,138 @@
               <a:buNone/>
             </a:pPr>
             <a:r>
-              <a:rPr lang="en-US" dirty="0"/>
+              <a:rPr lang="en-US" dirty="0">
+                <a:latin typeface="Arial" panose="020B0604020202020204" pitchFamily="34" charset="0"/>
+                <a:cs typeface="Arial" panose="020B0604020202020204" pitchFamily="34" charset="0"/>
+              </a:rPr>
               <a:t>self.</a:t>
             </a:r>
             <a:r>
-              <a:rPr lang="en-US" dirty="0" err="1"/>
+              <a:rPr lang="en-US" dirty="0" err="1">
+                <a:latin typeface="Arial" panose="020B0604020202020204" pitchFamily="34" charset="0"/>
+                <a:cs typeface="Arial" panose="020B0604020202020204" pitchFamily="34" charset="0"/>
+              </a:rPr>
               <a:t>navigationController</a:t>
             </a:r>
             <a:r>
-              <a:rPr lang="en-US" dirty="0"/>
+              <a:rPr lang="en-US" dirty="0">
+                <a:latin typeface="Arial" panose="020B0604020202020204" pitchFamily="34" charset="0"/>
+                <a:cs typeface="Arial" panose="020B0604020202020204" pitchFamily="34" charset="0"/>
+              </a:rPr>
               <a:t>?.</a:t>
             </a:r>
             <a:r>
-              <a:rPr lang="en-US" dirty="0" err="1"/>
+              <a:rPr lang="en-US" dirty="0" err="1">
+                <a:latin typeface="Arial" panose="020B0604020202020204" pitchFamily="34" charset="0"/>
+                <a:cs typeface="Arial" panose="020B0604020202020204" pitchFamily="34" charset="0"/>
+              </a:rPr>
               <a:t>pushViewController</a:t>
             </a:r>
             <a:r>
-              <a:rPr lang="en-US" dirty="0"/>
+              <a:rPr lang="en-US" dirty="0">
+                <a:latin typeface="Arial" panose="020B0604020202020204" pitchFamily="34" charset="0"/>
+                <a:cs typeface="Arial" panose="020B0604020202020204" pitchFamily="34" charset="0"/>
+              </a:rPr>
               <a:t>(</a:t>
             </a:r>
             <a:r>
-              <a:rPr lang="en-US" dirty="0" err="1"/>
+              <a:rPr lang="en-US" dirty="0" err="1">
+                <a:latin typeface="Arial" panose="020B0604020202020204" pitchFamily="34" charset="0"/>
+                <a:cs typeface="Arial" panose="020B0604020202020204" pitchFamily="34" charset="0"/>
+              </a:rPr>
               <a:t>vc</a:t>
             </a:r>
             <a:r>
-              <a:rPr lang="en-US" dirty="0"/>
+              <a:rPr lang="en-US" dirty="0">
+                <a:latin typeface="Arial" panose="020B0604020202020204" pitchFamily="34" charset="0"/>
+                <a:cs typeface="Arial" panose="020B0604020202020204" pitchFamily="34" charset="0"/>
+              </a:rPr>
               <a:t>, animated: true) //</a:t>
             </a:r>
             <a:r>
-              <a:rPr lang="en-US" dirty="0" err="1"/>
+              <a:rPr lang="en-US" dirty="0" err="1">
+                <a:latin typeface="Arial" panose="020B0604020202020204" pitchFamily="34" charset="0"/>
+                <a:cs typeface="Arial" panose="020B0604020202020204" pitchFamily="34" charset="0"/>
+              </a:rPr>
               <a:t>vc</a:t>
             </a:r>
             <a:r>
-              <a:rPr lang="en-US" dirty="0"/>
+              <a:rPr lang="en-US" dirty="0">
+                <a:latin typeface="Arial" panose="020B0604020202020204" pitchFamily="34" charset="0"/>
+                <a:cs typeface="Arial" panose="020B0604020202020204" pitchFamily="34" charset="0"/>
+              </a:rPr>
               <a:t> </a:t>
             </a:r>
             <a:r>
-              <a:rPr lang="en-US" dirty="0" err="1"/>
+              <a:rPr lang="en-US" dirty="0" err="1">
+                <a:latin typeface="Arial" panose="020B0604020202020204" pitchFamily="34" charset="0"/>
+                <a:cs typeface="Arial" panose="020B0604020202020204" pitchFamily="34" charset="0"/>
+              </a:rPr>
               <a:t>là</a:t>
             </a:r>
             <a:r>
-              <a:rPr lang="en-US" dirty="0"/>
+              <a:rPr lang="en-US" dirty="0">
+                <a:latin typeface="Arial" panose="020B0604020202020204" pitchFamily="34" charset="0"/>
+                <a:cs typeface="Arial" panose="020B0604020202020204" pitchFamily="34" charset="0"/>
+              </a:rPr>
               <a:t> screen </a:t>
             </a:r>
             <a:r>
-              <a:rPr lang="en-US" dirty="0" err="1"/>
+              <a:rPr lang="en-US" dirty="0" err="1">
+                <a:latin typeface="Arial" panose="020B0604020202020204" pitchFamily="34" charset="0"/>
+                <a:cs typeface="Arial" panose="020B0604020202020204" pitchFamily="34" charset="0"/>
+              </a:rPr>
               <a:t>mình</a:t>
             </a:r>
             <a:r>
-              <a:rPr lang="en-US" dirty="0"/>
+              <a:rPr lang="en-US" dirty="0">
+                <a:latin typeface="Arial" panose="020B0604020202020204" pitchFamily="34" charset="0"/>
+                <a:cs typeface="Arial" panose="020B0604020202020204" pitchFamily="34" charset="0"/>
+              </a:rPr>
               <a:t> </a:t>
             </a:r>
             <a:r>
-              <a:rPr lang="en-US" dirty="0" err="1"/>
+              <a:rPr lang="en-US" dirty="0" err="1">
+                <a:latin typeface="Arial" panose="020B0604020202020204" pitchFamily="34" charset="0"/>
+                <a:cs typeface="Arial" panose="020B0604020202020204" pitchFamily="34" charset="0"/>
+              </a:rPr>
               <a:t>muốn</a:t>
             </a:r>
             <a:r>
-              <a:rPr lang="en-US" dirty="0"/>
+              <a:rPr lang="en-US" dirty="0">
+                <a:latin typeface="Arial" panose="020B0604020202020204" pitchFamily="34" charset="0"/>
+                <a:cs typeface="Arial" panose="020B0604020202020204" pitchFamily="34" charset="0"/>
+              </a:rPr>
               <a:t> </a:t>
             </a:r>
             <a:r>
-              <a:rPr lang="en-US" dirty="0" err="1"/>
+              <a:rPr lang="en-US" dirty="0" err="1">
+                <a:latin typeface="Arial" panose="020B0604020202020204" pitchFamily="34" charset="0"/>
+                <a:cs typeface="Arial" panose="020B0604020202020204" pitchFamily="34" charset="0"/>
+              </a:rPr>
               <a:t>chuyển</a:t>
             </a:r>
             <a:r>
-              <a:rPr lang="en-US" dirty="0"/>
+              <a:rPr lang="en-US" dirty="0">
+                <a:latin typeface="Arial" panose="020B0604020202020204" pitchFamily="34" charset="0"/>
+                <a:cs typeface="Arial" panose="020B0604020202020204" pitchFamily="34" charset="0"/>
+              </a:rPr>
               <a:t> </a:t>
             </a:r>
             <a:r>
-              <a:rPr lang="en-US" dirty="0" err="1"/>
+              <a:rPr lang="en-US" dirty="0" err="1">
+                <a:latin typeface="Arial" panose="020B0604020202020204" pitchFamily="34" charset="0"/>
+                <a:cs typeface="Arial" panose="020B0604020202020204" pitchFamily="34" charset="0"/>
+              </a:rPr>
               <a:t>đến</a:t>
             </a:r>
             <a:r>
-              <a:rPr lang="en-US" dirty="0"/>
+              <a:rPr lang="en-US" dirty="0">
+                <a:latin typeface="Arial" panose="020B0604020202020204" pitchFamily="34" charset="0"/>
+                <a:cs typeface="Arial" panose="020B0604020202020204" pitchFamily="34" charset="0"/>
+              </a:rPr>
               <a:t>.</a:t>
             </a:r>
-            <a:endParaRPr lang="en-US" dirty="0">
-              <a:latin typeface="Arial" panose="020B0604020202020204" pitchFamily="34" charset="0"/>
-              <a:cs typeface="Arial" panose="020B0604020202020204" pitchFamily="34" charset="0"/>
-            </a:endParaRPr>
           </a:p>
           <a:p>
             <a:pPr>
@@ -7828,29 +7881,40 @@
               <a:buNone/>
             </a:pPr>
             <a:r>
-              <a:rPr lang="en-US" dirty="0"/>
+              <a:rPr lang="en-US" dirty="0">
+                <a:latin typeface="Arial" panose="020B0604020202020204" pitchFamily="34" charset="0"/>
+                <a:cs typeface="Arial" panose="020B0604020202020204" pitchFamily="34" charset="0"/>
+              </a:rPr>
               <a:t>self.</a:t>
             </a:r>
             <a:r>
-              <a:rPr lang="en-US" dirty="0" err="1"/>
+              <a:rPr lang="en-US" dirty="0" err="1">
+                <a:latin typeface="Arial" panose="020B0604020202020204" pitchFamily="34" charset="0"/>
+                <a:cs typeface="Arial" panose="020B0604020202020204" pitchFamily="34" charset="0"/>
+              </a:rPr>
               <a:t>navigationController</a:t>
             </a:r>
             <a:r>
-              <a:rPr lang="en-US" dirty="0"/>
+              <a:rPr lang="en-US" dirty="0">
+                <a:latin typeface="Arial" panose="020B0604020202020204" pitchFamily="34" charset="0"/>
+                <a:cs typeface="Arial" panose="020B0604020202020204" pitchFamily="34" charset="0"/>
+              </a:rPr>
               <a:t>?.</a:t>
             </a:r>
             <a:r>
-              <a:rPr lang="en-US" dirty="0" err="1"/>
+              <a:rPr lang="en-US" dirty="0" err="1">
+                <a:latin typeface="Arial" panose="020B0604020202020204" pitchFamily="34" charset="0"/>
+                <a:cs typeface="Arial" panose="020B0604020202020204" pitchFamily="34" charset="0"/>
+              </a:rPr>
               <a:t>popViewController</a:t>
             </a:r>
             <a:r>
-              <a:rPr lang="en-US" dirty="0"/>
+              <a:rPr lang="en-US" dirty="0">
+                <a:latin typeface="Arial" panose="020B0604020202020204" pitchFamily="34" charset="0"/>
+                <a:cs typeface="Arial" panose="020B0604020202020204" pitchFamily="34" charset="0"/>
+              </a:rPr>
               <a:t>(animated: true)</a:t>
             </a:r>
-            <a:endParaRPr lang="en-US" dirty="0">
-              <a:latin typeface="Arial" panose="020B0604020202020204" pitchFamily="34" charset="0"/>
-              <a:cs typeface="Arial" panose="020B0604020202020204" pitchFamily="34" charset="0"/>
-            </a:endParaRPr>
           </a:p>
           <a:p>
             <a:pPr>
@@ -7923,23 +7987,38 @@
               <a:buNone/>
             </a:pPr>
             <a:r>
-              <a:rPr lang="en-US" dirty="0"/>
+              <a:rPr lang="en-US" dirty="0">
+                <a:latin typeface="Arial" panose="020B0604020202020204" pitchFamily="34" charset="0"/>
+                <a:cs typeface="Arial" panose="020B0604020202020204" pitchFamily="34" charset="0"/>
+              </a:rPr>
               <a:t>self.</a:t>
             </a:r>
             <a:r>
-              <a:rPr lang="en-US" dirty="0" err="1"/>
+              <a:rPr lang="en-US" dirty="0" err="1">
+                <a:latin typeface="Arial" panose="020B0604020202020204" pitchFamily="34" charset="0"/>
+                <a:cs typeface="Arial" panose="020B0604020202020204" pitchFamily="34" charset="0"/>
+              </a:rPr>
               <a:t>navigationController</a:t>
             </a:r>
             <a:r>
-              <a:rPr lang="en-US" dirty="0"/>
+              <a:rPr lang="en-US" dirty="0">
+                <a:latin typeface="Arial" panose="020B0604020202020204" pitchFamily="34" charset="0"/>
+                <a:cs typeface="Arial" panose="020B0604020202020204" pitchFamily="34" charset="0"/>
+              </a:rPr>
               <a:t>?.</a:t>
             </a:r>
             <a:r>
-              <a:rPr lang="en-US" dirty="0" err="1"/>
+              <a:rPr lang="en-US" dirty="0" err="1">
+                <a:latin typeface="Arial" panose="020B0604020202020204" pitchFamily="34" charset="0"/>
+                <a:cs typeface="Arial" panose="020B0604020202020204" pitchFamily="34" charset="0"/>
+              </a:rPr>
               <a:t>popToRootViewController</a:t>
             </a:r>
             <a:r>
-              <a:rPr lang="en-US" dirty="0"/>
+              <a:rPr lang="en-US" dirty="0">
+                <a:latin typeface="Arial" panose="020B0604020202020204" pitchFamily="34" charset="0"/>
+                <a:cs typeface="Arial" panose="020B0604020202020204" pitchFamily="34" charset="0"/>
+              </a:rPr>
               <a:t>(animated: true)</a:t>
             </a:r>
           </a:p>
@@ -7972,7 +8051,10 @@
               </a:lnSpc>
               <a:buNone/>
             </a:pPr>
-            <a:endParaRPr lang="en-US" dirty="0"/>
+            <a:endParaRPr lang="en-US" dirty="0">
+              <a:latin typeface="Arial" panose="020B0604020202020204" pitchFamily="34" charset="0"/>
+              <a:cs typeface="Arial" panose="020B0604020202020204" pitchFamily="34" charset="0"/>
+            </a:endParaRPr>
           </a:p>
           <a:p>
             <a:pPr marL="457200" lvl="1" indent="0">
